--- a/Vulnérabilité.pptx
+++ b/Vulnérabilité.pptx
@@ -3676,33 +3676,214 @@
           <a:p>
             <a:r>
               <a:rPr lang="fr-CA" dirty="0"/>
-              <a:t>Démonstrations; Injection SQL</a:t>
-            </a:r>
-          </a:p>
-        </p:txBody>
-      </p:sp>
-      <p:sp>
-        <p:nvSpPr>
-          <p:cNvPr id="3" name="Content Placeholder 2">
-            <a:extLst>
-              <a:ext uri="{FF2B5EF4-FFF2-40B4-BE49-F238E27FC236}">
-                <a16:creationId xmlns:a16="http://schemas.microsoft.com/office/drawing/2014/main" id="{CB680993-897C-20A2-E92D-516016339B90}"/>
-              </a:ext>
-            </a:extLst>
-          </p:cNvPr>
-          <p:cNvSpPr>
-            <a:spLocks noGrp="1"/>
-          </p:cNvSpPr>
+              <a:t>Démonstrations partie 1; Injection SQL</a:t>
+            </a:r>
+          </a:p>
+        </p:txBody>
+      </p:sp>
+      <p:pic>
+        <p:nvPicPr>
+          <p:cNvPr id="5" name="Content Placeholder 4">
+            <a:extLst>
+              <a:ext uri="{FF2B5EF4-FFF2-40B4-BE49-F238E27FC236}">
+                <a16:creationId xmlns:a16="http://schemas.microsoft.com/office/drawing/2014/main" id="{2745EE4D-6A07-635F-75EC-7FABE6596D1A}"/>
+              </a:ext>
+            </a:extLst>
+          </p:cNvPr>
+          <p:cNvPicPr>
+            <a:picLocks noGrp="1" noChangeAspect="1"/>
+          </p:cNvPicPr>
           <p:nvPr>
             <p:ph idx="1"/>
           </p:nvPr>
-        </p:nvSpPr>
-        <p:spPr/>
-        <p:txBody>
-          <a:bodyPr/>
-          <a:lstStyle/>
-          <a:p>
-            <a:endParaRPr lang="fr-CA"/>
+        </p:nvPicPr>
+        <p:blipFill>
+          <a:blip r:embed="rId2"/>
+          <a:stretch>
+            <a:fillRect/>
+          </a:stretch>
+        </p:blipFill>
+        <p:spPr>
+          <a:xfrm>
+            <a:off x="838200" y="1690688"/>
+            <a:ext cx="10515600" cy="1252058"/>
+          </a:xfrm>
+        </p:spPr>
+      </p:pic>
+      <p:pic>
+        <p:nvPicPr>
+          <p:cNvPr id="7" name="Picture 6">
+            <a:extLst>
+              <a:ext uri="{FF2B5EF4-FFF2-40B4-BE49-F238E27FC236}">
+                <a16:creationId xmlns:a16="http://schemas.microsoft.com/office/drawing/2014/main" id="{98B1B610-5B32-D24E-7421-45F413DFF1E3}"/>
+              </a:ext>
+            </a:extLst>
+          </p:cNvPr>
+          <p:cNvPicPr>
+            <a:picLocks noChangeAspect="1"/>
+          </p:cNvPicPr>
+          <p:nvPr/>
+        </p:nvPicPr>
+        <p:blipFill>
+          <a:blip r:embed="rId3"/>
+          <a:stretch>
+            <a:fillRect/>
+          </a:stretch>
+        </p:blipFill>
+        <p:spPr>
+          <a:xfrm>
+            <a:off x="838200" y="3103417"/>
+            <a:ext cx="7070241" cy="2859453"/>
+          </a:xfrm>
+          <a:prstGeom prst="rect">
+            <a:avLst/>
+          </a:prstGeom>
+        </p:spPr>
+      </p:pic>
+      <p:sp>
+        <p:nvSpPr>
+          <p:cNvPr id="8" name="TextBox 7">
+            <a:extLst>
+              <a:ext uri="{FF2B5EF4-FFF2-40B4-BE49-F238E27FC236}">
+                <a16:creationId xmlns:a16="http://schemas.microsoft.com/office/drawing/2014/main" id="{F115824D-F2E7-E52B-5B0C-09E46CCCA21A}"/>
+              </a:ext>
+            </a:extLst>
+          </p:cNvPr>
+          <p:cNvSpPr txBox="1"/>
+          <p:nvPr/>
+        </p:nvSpPr>
+        <p:spPr>
+          <a:xfrm>
+            <a:off x="8063344" y="3103417"/>
+            <a:ext cx="3290455" cy="3139321"/>
+          </a:xfrm>
+          <a:prstGeom prst="rect">
+            <a:avLst/>
+          </a:prstGeom>
+          <a:noFill/>
+        </p:spPr>
+        <p:txBody>
+          <a:bodyPr wrap="square" rtlCol="0">
+            <a:spAutoFit/>
+          </a:bodyPr>
+          <a:lstStyle/>
+          <a:p>
+            <a:r>
+              <a:rPr lang="en-US" dirty="0" err="1"/>
+              <a:t>Requ</a:t>
+            </a:r>
+            <a:r>
+              <a:rPr lang="en-CA" dirty="0" err="1"/>
+              <a:t>ete</a:t>
+            </a:r>
+            <a:r>
+              <a:rPr lang="en-CA" dirty="0"/>
+              <a:t> normal;</a:t>
+            </a:r>
+          </a:p>
+          <a:p>
+            <a:r>
+              <a:rPr lang="en-CA" dirty="0"/>
+              <a:t>“</a:t>
+            </a:r>
+            <a:r>
+              <a:rPr lang="en-CA" dirty="0" err="1"/>
+              <a:t>talal</a:t>
+            </a:r>
+            <a:r>
+              <a:rPr lang="en-CA" dirty="0"/>
+              <a:t>”</a:t>
+            </a:r>
+          </a:p>
+          <a:p>
+            <a:r>
+              <a:rPr lang="en-CA" dirty="0" err="1"/>
+              <a:t>Retournera</a:t>
+            </a:r>
+            <a:r>
+              <a:rPr lang="en-CA" dirty="0"/>
+              <a:t>: le user </a:t>
+            </a:r>
+            <a:r>
+              <a:rPr lang="en-CA" dirty="0" err="1"/>
+              <a:t>talal</a:t>
+            </a:r>
+            <a:endParaRPr lang="en-CA" dirty="0"/>
+          </a:p>
+          <a:p>
+            <a:endParaRPr lang="en-CA" dirty="0"/>
+          </a:p>
+          <a:p>
+            <a:r>
+              <a:rPr lang="en-CA" dirty="0" err="1"/>
+              <a:t>Requete</a:t>
+            </a:r>
+            <a:r>
+              <a:rPr lang="en-CA" dirty="0"/>
+              <a:t> injection;</a:t>
+            </a:r>
+          </a:p>
+          <a:p>
+            <a:r>
+              <a:rPr lang="en-CA" dirty="0" err="1"/>
+              <a:t>mohamad</a:t>
+            </a:r>
+            <a:r>
+              <a:rPr lang="en-CA" dirty="0"/>
+              <a:t>’ OR ‘1’=‘1</a:t>
+            </a:r>
+          </a:p>
+          <a:p>
+            <a:r>
+              <a:rPr lang="en-CA" dirty="0"/>
+              <a:t>Sera </a:t>
+            </a:r>
+            <a:r>
+              <a:rPr lang="en-CA" dirty="0" err="1"/>
+              <a:t>interpretee</a:t>
+            </a:r>
+            <a:r>
+              <a:rPr lang="en-CA" dirty="0"/>
+              <a:t> </a:t>
+            </a:r>
+            <a:r>
+              <a:rPr lang="en-CA" dirty="0" err="1"/>
+              <a:t>comme</a:t>
+            </a:r>
+            <a:endParaRPr lang="en-CA" dirty="0"/>
+          </a:p>
+          <a:p>
+            <a:endParaRPr lang="en-CA" dirty="0"/>
+          </a:p>
+          <a:p>
+            <a:r>
+              <a:rPr lang="en-CA" dirty="0"/>
+              <a:t>WHERE</a:t>
+            </a:r>
+          </a:p>
+          <a:p>
+            <a:r>
+              <a:rPr lang="en-CA" dirty="0"/>
+              <a:t>‘</a:t>
+            </a:r>
+            <a:r>
+              <a:rPr lang="en-CA" dirty="0" err="1"/>
+              <a:t>mohamad</a:t>
+            </a:r>
+            <a:r>
+              <a:rPr lang="en-CA" dirty="0"/>
+              <a:t>’ OR ‘1’=‘1’;</a:t>
+            </a:r>
+          </a:p>
+          <a:p>
+            <a:r>
+              <a:rPr lang="en-CA" dirty="0" err="1"/>
+              <a:t>Retournera</a:t>
+            </a:r>
+            <a:r>
+              <a:rPr lang="en-CA" dirty="0"/>
+              <a:t>: tout les users</a:t>
+            </a:r>
           </a:p>
         </p:txBody>
       </p:sp>
